--- a/lessons/block_1_basics/lsn3-linux.pptx
+++ b/lessons/block_1_basics/lsn3-linux.pptx
@@ -206,7 +206,7 @@
           <a:p>
             <a:fld id="{9A69F45A-0349-48D7-BEAD-5F887E66A039}" type="datetimeFigureOut">
               <a:rPr lang="en-US" smtClean="0"/>
-              <a:t>8/10/2017</a:t>
+              <a:t>8/14/2017</a:t>
             </a:fld>
             <a:endParaRPr lang="en-US"/>
           </a:p>
@@ -1099,7 +1099,7 @@
           <a:p>
             <a:fld id="{DBC5F202-3DD9-4D71-BBDA-356EBAE30ACE}" type="datetimeFigureOut">
               <a:rPr lang="en-US" smtClean="0"/>
-              <a:t>8/10/2017</a:t>
+              <a:t>8/14/2017</a:t>
             </a:fld>
             <a:endParaRPr lang="en-US"/>
           </a:p>
@@ -1269,7 +1269,7 @@
           <a:p>
             <a:fld id="{DBC5F202-3DD9-4D71-BBDA-356EBAE30ACE}" type="datetimeFigureOut">
               <a:rPr lang="en-US" smtClean="0"/>
-              <a:t>8/10/2017</a:t>
+              <a:t>8/14/2017</a:t>
             </a:fld>
             <a:endParaRPr lang="en-US"/>
           </a:p>
@@ -1449,7 +1449,7 @@
           <a:p>
             <a:fld id="{DBC5F202-3DD9-4D71-BBDA-356EBAE30ACE}" type="datetimeFigureOut">
               <a:rPr lang="en-US" smtClean="0"/>
-              <a:t>8/10/2017</a:t>
+              <a:t>8/14/2017</a:t>
             </a:fld>
             <a:endParaRPr lang="en-US"/>
           </a:p>
@@ -1619,7 +1619,7 @@
           <a:p>
             <a:fld id="{DBC5F202-3DD9-4D71-BBDA-356EBAE30ACE}" type="datetimeFigureOut">
               <a:rPr lang="en-US" smtClean="0"/>
-              <a:t>8/10/2017</a:t>
+              <a:t>8/14/2017</a:t>
             </a:fld>
             <a:endParaRPr lang="en-US"/>
           </a:p>
@@ -1865,7 +1865,7 @@
           <a:p>
             <a:fld id="{DBC5F202-3DD9-4D71-BBDA-356EBAE30ACE}" type="datetimeFigureOut">
               <a:rPr lang="en-US" smtClean="0"/>
-              <a:t>8/10/2017</a:t>
+              <a:t>8/14/2017</a:t>
             </a:fld>
             <a:endParaRPr lang="en-US"/>
           </a:p>
@@ -2097,7 +2097,7 @@
           <a:p>
             <a:fld id="{DBC5F202-3DD9-4D71-BBDA-356EBAE30ACE}" type="datetimeFigureOut">
               <a:rPr lang="en-US" smtClean="0"/>
-              <a:t>8/10/2017</a:t>
+              <a:t>8/14/2017</a:t>
             </a:fld>
             <a:endParaRPr lang="en-US"/>
           </a:p>
@@ -2464,7 +2464,7 @@
           <a:p>
             <a:fld id="{DBC5F202-3DD9-4D71-BBDA-356EBAE30ACE}" type="datetimeFigureOut">
               <a:rPr lang="en-US" smtClean="0"/>
-              <a:t>8/10/2017</a:t>
+              <a:t>8/14/2017</a:t>
             </a:fld>
             <a:endParaRPr lang="en-US"/>
           </a:p>
@@ -2582,7 +2582,7 @@
           <a:p>
             <a:fld id="{DBC5F202-3DD9-4D71-BBDA-356EBAE30ACE}" type="datetimeFigureOut">
               <a:rPr lang="en-US" smtClean="0"/>
-              <a:t>8/10/2017</a:t>
+              <a:t>8/14/2017</a:t>
             </a:fld>
             <a:endParaRPr lang="en-US"/>
           </a:p>
@@ -2677,7 +2677,7 @@
           <a:p>
             <a:fld id="{DBC5F202-3DD9-4D71-BBDA-356EBAE30ACE}" type="datetimeFigureOut">
               <a:rPr lang="en-US" smtClean="0"/>
-              <a:t>8/10/2017</a:t>
+              <a:t>8/14/2017</a:t>
             </a:fld>
             <a:endParaRPr lang="en-US"/>
           </a:p>
@@ -2954,7 +2954,7 @@
           <a:p>
             <a:fld id="{DBC5F202-3DD9-4D71-BBDA-356EBAE30ACE}" type="datetimeFigureOut">
               <a:rPr lang="en-US" smtClean="0"/>
-              <a:t>8/10/2017</a:t>
+              <a:t>8/14/2017</a:t>
             </a:fld>
             <a:endParaRPr lang="en-US"/>
           </a:p>
@@ -3207,7 +3207,7 @@
           <a:p>
             <a:fld id="{DBC5F202-3DD9-4D71-BBDA-356EBAE30ACE}" type="datetimeFigureOut">
               <a:rPr lang="en-US" smtClean="0"/>
-              <a:t>8/10/2017</a:t>
+              <a:t>8/14/2017</a:t>
             </a:fld>
             <a:endParaRPr lang="en-US"/>
           </a:p>
@@ -3420,7 +3420,7 @@
           <a:p>
             <a:fld id="{DBC5F202-3DD9-4D71-BBDA-356EBAE30ACE}" type="datetimeFigureOut">
               <a:rPr lang="en-US" smtClean="0"/>
-              <a:t>8/10/2017</a:t>
+              <a:t>8/14/2017</a:t>
             </a:fld>
             <a:endParaRPr lang="en-US"/>
           </a:p>
@@ -12381,7 +12381,7 @@
   <a:extraClrSchemeLst/>
   <a:extLst>
     <a:ext uri="{05A4C25C-085E-4340-85A3-A5531E510DB2}">
-      <thm15:themeFamily xmlns:thm15="http://schemas.microsoft.com/office/thememl/2012/main" xmlns="" name="Office Theme" id="{62F939B6-93AF-4DB8-9C6B-D6C7DFDC589F}" vid="{4A3C46E8-61CC-4603-A589-7422A47A8E4A}"/>
+      <thm15:themeFamily xmlns="" xmlns:thm15="http://schemas.microsoft.com/office/thememl/2012/main" name="Office Theme" id="{62F939B6-93AF-4DB8-9C6B-D6C7DFDC589F}" vid="{4A3C46E8-61CC-4603-A589-7422A47A8E4A}"/>
     </a:ext>
   </a:extLst>
 </a:theme>
@@ -12642,7 +12642,7 @@
   <a:extraClrSchemeLst/>
   <a:extLst>
     <a:ext uri="{05A4C25C-085E-4340-85A3-A5531E510DB2}">
-      <thm15:themeFamily xmlns:thm15="http://schemas.microsoft.com/office/thememl/2012/main" xmlns="" name="Office Theme" id="{62F939B6-93AF-4DB8-9C6B-D6C7DFDC589F}" vid="{4A3C46E8-61CC-4603-A589-7422A47A8E4A}"/>
+      <thm15:themeFamily xmlns="" xmlns:thm15="http://schemas.microsoft.com/office/thememl/2012/main" name="Office Theme" id="{62F939B6-93AF-4DB8-9C6B-D6C7DFDC589F}" vid="{4A3C46E8-61CC-4603-A589-7422A47A8E4A}"/>
     </a:ext>
   </a:extLst>
 </a:theme>
